--- a/CountofMontiCrypto_PP.pptx
+++ b/CountofMontiCrypto_PP.pptx
@@ -5,7 +5,7 @@
     <p:sldMasterId id="2147483659" r:id="rId1"/>
   </p:sldMasterIdLst>
   <p:notesMasterIdLst>
-    <p:notesMasterId r:id="rId10"/>
+    <p:notesMasterId r:id="rId11"/>
   </p:notesMasterIdLst>
   <p:sldIdLst>
     <p:sldId id="256" r:id="rId2"/>
@@ -13,9 +13,10 @@
     <p:sldId id="258" r:id="rId4"/>
     <p:sldId id="259" r:id="rId5"/>
     <p:sldId id="260" r:id="rId6"/>
-    <p:sldId id="261" r:id="rId7"/>
-    <p:sldId id="262" r:id="rId8"/>
-    <p:sldId id="263" r:id="rId9"/>
+    <p:sldId id="264" r:id="rId7"/>
+    <p:sldId id="261" r:id="rId8"/>
+    <p:sldId id="262" r:id="rId9"/>
+    <p:sldId id="263" r:id="rId10"/>
   </p:sldIdLst>
   <p:sldSz cx="9144000" cy="5143500" type="screen16x9"/>
   <p:notesSz cx="6858000" cy="9144000"/>
@@ -888,7 +889,7 @@
               </a:spcAft>
               <a:buNone/>
             </a:pPr>
-            <a:endParaRPr/>
+            <a:endParaRPr dirty="0"/>
           </a:p>
         </p:txBody>
       </p:sp>
@@ -1213,6 +1214,83 @@
 </file>
 
 <file path=ppt/notesSlides/notesSlide6.xml><?xml version="1.0" encoding="utf-8"?>
+<p:notes xmlns:a="http://schemas.openxmlformats.org/drawingml/2006/main" xmlns:r="http://schemas.openxmlformats.org/officeDocument/2006/relationships" xmlns:p="http://schemas.openxmlformats.org/presentationml/2006/main">
+  <p:cSld>
+    <p:spTree>
+      <p:nvGrpSpPr>
+        <p:cNvPr id="1" name=""/>
+        <p:cNvGrpSpPr/>
+        <p:nvPr/>
+      </p:nvGrpSpPr>
+      <p:grpSpPr>
+        <a:xfrm>
+          <a:off x="0" y="0"/>
+          <a:ext cx="0" cy="0"/>
+          <a:chOff x="0" y="0"/>
+          <a:chExt cx="0" cy="0"/>
+        </a:xfrm>
+      </p:grpSpPr>
+      <p:sp>
+        <p:nvSpPr>
+          <p:cNvPr id="2" name="Slide Image Placeholder 1"/>
+          <p:cNvSpPr>
+            <a:spLocks noGrp="1" noRot="1" noChangeAspect="1"/>
+          </p:cNvSpPr>
+          <p:nvPr>
+            <p:ph type="sldImg"/>
+          </p:nvPr>
+        </p:nvSpPr>
+        <p:spPr>
+          <a:xfrm>
+            <a:off x="381000" y="685800"/>
+            <a:ext cx="6096000" cy="3429000"/>
+          </a:xfrm>
+        </p:spPr>
+      </p:sp>
+      <p:sp>
+        <p:nvSpPr>
+          <p:cNvPr id="3" name="Notes Placeholder 2"/>
+          <p:cNvSpPr>
+            <a:spLocks noGrp="1"/>
+          </p:cNvSpPr>
+          <p:nvPr>
+            <p:ph type="body" idx="1"/>
+          </p:nvPr>
+        </p:nvSpPr>
+        <p:spPr/>
+        <p:txBody>
+          <a:bodyPr/>
+          <a:lstStyle/>
+          <a:p>
+            <a:r>
+              <a:rPr lang="en-US" dirty="0"/>
+              <a:t>1. Displayed, </a:t>
+            </a:r>
+            <a:r>
+              <a:rPr lang="en-US" dirty="0" err="1"/>
+              <a:t>Anualized</a:t>
+            </a:r>
+            <a:r>
+              <a:rPr lang="en-US" dirty="0"/>
+              <a:t> Standard Devs, Beta </a:t>
+            </a:r>
+          </a:p>
+        </p:txBody>
+      </p:sp>
+    </p:spTree>
+    <p:extLst>
+      <p:ext uri="{BB962C8B-B14F-4D97-AF65-F5344CB8AC3E}">
+        <p14:creationId xmlns:p14="http://schemas.microsoft.com/office/powerpoint/2010/main" val="1694233032"/>
+      </p:ext>
+    </p:extLst>
+  </p:cSld>
+  <p:clrMapOvr>
+    <a:masterClrMapping/>
+  </p:clrMapOvr>
+</p:notes>
+</file>
+
+<file path=ppt/notesSlides/notesSlide7.xml><?xml version="1.0" encoding="utf-8"?>
 <p:notes xmlns:a="http://schemas.openxmlformats.org/drawingml/2006/main" xmlns:r="http://schemas.openxmlformats.org/officeDocument/2006/relationships" xmlns:p="http://schemas.openxmlformats.org/presentationml/2006/main" showMasterSp="0" showMasterPhAnim="0">
   <p:cSld>
     <p:spTree>
@@ -1241,7 +1319,7 @@
         </p:nvSpPr>
         <p:spPr>
           <a:xfrm>
-            <a:off x="381300" y="685800"/>
+            <a:off x="381000" y="685800"/>
             <a:ext cx="6096000" cy="3429000"/>
           </a:xfrm>
           <a:custGeom>
@@ -1316,7 +1394,7 @@
 </p:notes>
 </file>
 
-<file path=ppt/notesSlides/notesSlide7.xml><?xml version="1.0" encoding="utf-8"?>
+<file path=ppt/notesSlides/notesSlide8.xml><?xml version="1.0" encoding="utf-8"?>
 <p:notes xmlns:a="http://schemas.openxmlformats.org/drawingml/2006/main" xmlns:r="http://schemas.openxmlformats.org/officeDocument/2006/relationships" xmlns:p="http://schemas.openxmlformats.org/presentationml/2006/main" showMasterSp="0" showMasterPhAnim="0">
   <p:cSld>
     <p:spTree>
@@ -1420,7 +1498,7 @@
 </p:notes>
 </file>
 
-<file path=ppt/notesSlides/notesSlide8.xml><?xml version="1.0" encoding="utf-8"?>
+<file path=ppt/notesSlides/notesSlide9.xml><?xml version="1.0" encoding="utf-8"?>
 <p:notes xmlns:a="http://schemas.openxmlformats.org/drawingml/2006/main" xmlns:r="http://schemas.openxmlformats.org/officeDocument/2006/relationships" xmlns:p="http://schemas.openxmlformats.org/presentationml/2006/main" showMasterSp="0" showMasterPhAnim="0">
   <p:cSld>
     <p:spTree>
@@ -6942,10 +7020,10 @@
               <a:buNone/>
             </a:pPr>
             <a:r>
-              <a:rPr lang="en"/>
+              <a:rPr lang="en" dirty="0"/>
               <a:t>Data Techniques</a:t>
             </a:r>
-            <a:endParaRPr/>
+            <a:endParaRPr dirty="0"/>
           </a:p>
         </p:txBody>
       </p:sp>
@@ -7119,10 +7197,10 @@
               <a:buChar char="●"/>
             </a:pPr>
             <a:r>
-              <a:rPr lang="en" dirty="0"/>
+              <a:rPr lang="en" sz="1400" dirty="0"/>
               <a:t>Technologies used: Python libraries imported (os, requests, pandas, dotenv, alpaca_trade_api, numpy, panel, plotly) Anaconda and Python3(ipykernal) notebook used for coding. Github used for collaberation and merging of code. </a:t>
             </a:r>
-            <a:endParaRPr dirty="0"/>
+            <a:endParaRPr sz="1400" dirty="0"/>
           </a:p>
           <a:p>
             <a:pPr marL="457200" lvl="0" indent="-342900" algn="l" rtl="0">
@@ -7136,7 +7214,7 @@
               <a:buChar char="●"/>
             </a:pPr>
             <a:r>
-              <a:rPr lang="en" dirty="0"/>
+              <a:rPr lang="en" sz="1400" dirty="0"/>
               <a:t>Breakdown of tasks and roles: </a:t>
             </a:r>
           </a:p>
@@ -7166,18 +7244,10 @@
               <a:buChar char="●"/>
             </a:pPr>
             <a:r>
-              <a:rPr lang="en" dirty="0"/>
-              <a:t>Challenges: Initial API requests, Concatenation of dataframes, displaying certain charts on t</a:t>
+              <a:rPr lang="en" sz="1400" dirty="0"/>
+              <a:t>Challenges: Initial API requests, Concatenation of dataframes. Some crypto’s had data from multiple exchanges that needed to be reformatted. PotlyExpress and displaying histograms.</a:t>
             </a:r>
-            <a:r>
-              <a:rPr lang="en-US" dirty="0"/>
-              <a:t>he</a:t>
-            </a:r>
-            <a:r>
-              <a:rPr lang="en" dirty="0"/>
-              <a:t> dashboard. </a:t>
-            </a:r>
-            <a:endParaRPr dirty="0"/>
+            <a:endParaRPr sz="1400" dirty="0"/>
           </a:p>
           <a:p>
             <a:pPr marL="457200" lvl="0" indent="-342900" algn="l" rtl="0">
@@ -7191,10 +7261,10 @@
               <a:buChar char="●"/>
             </a:pPr>
             <a:r>
-              <a:rPr lang="en" dirty="0"/>
-              <a:t>Successes: Overcame challenges using trial and error, research/documentation </a:t>
+              <a:rPr lang="en" sz="1400" dirty="0"/>
+              <a:t>Successes: Overcame challenges using trial and error, research/documentation. Worked through visualization hurdles and restructed code</a:t>
             </a:r>
-            <a:endParaRPr dirty="0"/>
+            <a:endParaRPr sz="1400" dirty="0"/>
           </a:p>
         </p:txBody>
       </p:sp>
@@ -7207,6 +7277,144 @@
 </file>
 
 <file path=ppt/slides/slide6.xml><?xml version="1.0" encoding="utf-8"?>
+<p:sld xmlns:a="http://schemas.openxmlformats.org/drawingml/2006/main" xmlns:r="http://schemas.openxmlformats.org/officeDocument/2006/relationships" xmlns:p="http://schemas.openxmlformats.org/presentationml/2006/main">
+  <p:cSld>
+    <p:spTree>
+      <p:nvGrpSpPr>
+        <p:cNvPr id="1" name=""/>
+        <p:cNvGrpSpPr/>
+        <p:nvPr/>
+      </p:nvGrpSpPr>
+      <p:grpSpPr>
+        <a:xfrm>
+          <a:off x="0" y="0"/>
+          <a:ext cx="0" cy="0"/>
+          <a:chOff x="0" y="0"/>
+          <a:chExt cx="0" cy="0"/>
+        </a:xfrm>
+      </p:grpSpPr>
+      <p:sp>
+        <p:nvSpPr>
+          <p:cNvPr id="2" name="Title 1">
+            <a:extLst>
+              <a:ext uri="{FF2B5EF4-FFF2-40B4-BE49-F238E27FC236}">
+                <a16:creationId xmlns:a16="http://schemas.microsoft.com/office/drawing/2014/main" id="{91856F2A-F523-4236-B6D9-2812F0C7440A}"/>
+              </a:ext>
+            </a:extLst>
+          </p:cNvPr>
+          <p:cNvSpPr>
+            <a:spLocks noGrp="1"/>
+          </p:cNvSpPr>
+          <p:nvPr>
+            <p:ph type="title"/>
+          </p:nvPr>
+        </p:nvSpPr>
+        <p:spPr/>
+        <p:txBody>
+          <a:bodyPr/>
+          <a:lstStyle/>
+          <a:p>
+            <a:r>
+              <a:rPr lang="en-US" dirty="0"/>
+              <a:t>Questions </a:t>
+            </a:r>
+          </a:p>
+        </p:txBody>
+      </p:sp>
+      <p:sp>
+        <p:nvSpPr>
+          <p:cNvPr id="3" name="TextBox 2">
+            <a:extLst>
+              <a:ext uri="{FF2B5EF4-FFF2-40B4-BE49-F238E27FC236}">
+                <a16:creationId xmlns:a16="http://schemas.microsoft.com/office/drawing/2014/main" id="{E4324889-CBD0-425B-B317-A8019ED12FD3}"/>
+              </a:ext>
+            </a:extLst>
+          </p:cNvPr>
+          <p:cNvSpPr txBox="1"/>
+          <p:nvPr/>
+        </p:nvSpPr>
+        <p:spPr>
+          <a:xfrm>
+            <a:off x="485775" y="1343025"/>
+            <a:ext cx="5786438" cy="2031325"/>
+          </a:xfrm>
+          <a:prstGeom prst="rect">
+            <a:avLst/>
+          </a:prstGeom>
+          <a:noFill/>
+        </p:spPr>
+        <p:txBody>
+          <a:bodyPr wrap="square" rtlCol="0">
+            <a:spAutoFit/>
+          </a:bodyPr>
+          <a:lstStyle/>
+          <a:p>
+            <a:pPr marL="342900" indent="-342900">
+              <a:buAutoNum type="arabicPeriod"/>
+            </a:pPr>
+            <a:r>
+              <a:rPr lang="en-US" dirty="0"/>
+              <a:t>Which three Crypto assets show the most stability and least risk?</a:t>
+            </a:r>
+          </a:p>
+          <a:p>
+            <a:pPr marL="342900" indent="-342900">
+              <a:buAutoNum type="arabicPeriod"/>
+            </a:pPr>
+            <a:r>
+              <a:rPr lang="en-US" dirty="0"/>
+              <a:t>Which Crypto asset shows the most volatility and has greatest risk?</a:t>
+            </a:r>
+          </a:p>
+          <a:p>
+            <a:pPr marL="342900" indent="-342900">
+              <a:buAutoNum type="arabicPeriod"/>
+            </a:pPr>
+            <a:r>
+              <a:rPr lang="en-US" dirty="0"/>
+              <a:t>How do alternative coins stack up in volitivity against bitcoin?</a:t>
+            </a:r>
+          </a:p>
+          <a:p>
+            <a:pPr marL="342900" indent="-342900">
+              <a:buAutoNum type="arabicPeriod"/>
+            </a:pPr>
+            <a:r>
+              <a:rPr lang="en-US" dirty="0"/>
+              <a:t>Which crypto assets have high volume/liquidity and does this correlate with the risk of the asset?</a:t>
+            </a:r>
+          </a:p>
+          <a:p>
+            <a:pPr marL="342900" indent="-342900">
+              <a:buAutoNum type="arabicPeriod"/>
+            </a:pPr>
+            <a:r>
+              <a:rPr lang="en-US" dirty="0"/>
+              <a:t>What are the simulated returns on our chosen crypto assets over the next year?</a:t>
+            </a:r>
+          </a:p>
+          <a:p>
+            <a:pPr marL="342900" indent="-342900">
+              <a:buAutoNum type="arabicPeriod"/>
+            </a:pPr>
+            <a:endParaRPr lang="en-US" dirty="0"/>
+          </a:p>
+        </p:txBody>
+      </p:sp>
+    </p:spTree>
+    <p:extLst>
+      <p:ext uri="{BB962C8B-B14F-4D97-AF65-F5344CB8AC3E}">
+        <p14:creationId xmlns:p14="http://schemas.microsoft.com/office/powerpoint/2010/main" val="724512468"/>
+      </p:ext>
+    </p:extLst>
+  </p:cSld>
+  <p:clrMapOvr>
+    <a:masterClrMapping/>
+  </p:clrMapOvr>
+</p:sld>
+</file>
+
+<file path=ppt/slides/slide7.xml><?xml version="1.0" encoding="utf-8"?>
 <p:sld xmlns:a="http://schemas.openxmlformats.org/drawingml/2006/main" xmlns:r="http://schemas.openxmlformats.org/officeDocument/2006/relationships" xmlns:p="http://schemas.openxmlformats.org/presentationml/2006/main">
   <p:cSld>
     <p:spTree>
@@ -7258,10 +7466,10 @@
               <a:buNone/>
             </a:pPr>
             <a:r>
-              <a:rPr lang="en"/>
-              <a:t>Demo</a:t>
+              <a:rPr lang="en" dirty="0"/>
+              <a:t>Code/Demo</a:t>
             </a:r>
-            <a:endParaRPr/>
+            <a:endParaRPr dirty="0"/>
           </a:p>
         </p:txBody>
       </p:sp>
@@ -7273,7 +7481,7 @@
 </p:sld>
 </file>
 
-<file path=ppt/slides/slide7.xml><?xml version="1.0" encoding="utf-8"?>
+<file path=ppt/slides/slide8.xml><?xml version="1.0" encoding="utf-8"?>
 <p:sld xmlns:a="http://schemas.openxmlformats.org/drawingml/2006/main" xmlns:r="http://schemas.openxmlformats.org/officeDocument/2006/relationships" xmlns:p="http://schemas.openxmlformats.org/presentationml/2006/main">
   <p:cSld>
     <p:spTree>
@@ -7369,24 +7577,7 @@
             </a:pPr>
             <a:r>
               <a:rPr lang="en" dirty="0"/>
-              <a:t>Additional questions that surfaced:</a:t>
-            </a:r>
-            <a:endParaRPr dirty="0"/>
-          </a:p>
-          <a:p>
-            <a:pPr marL="457200" lvl="0" indent="-342900" algn="l" rtl="0">
-              <a:spcBef>
-                <a:spcPts val="0"/>
-              </a:spcBef>
-              <a:spcAft>
-                <a:spcPts val="0"/>
-              </a:spcAft>
-              <a:buSzPts val="1800"/>
-              <a:buChar char="●"/>
-            </a:pPr>
-            <a:r>
-              <a:rPr lang="en" dirty="0"/>
-              <a:t>Additional topics to research: More robust library/tool for constructing a dashboard</a:t>
+              <a:t>Additional topics to research: More robust library/tool for constructing a dashboard and having filtering chart options. </a:t>
             </a:r>
             <a:endParaRPr dirty="0"/>
           </a:p>
@@ -7414,6 +7605,35 @@
               <a:t>dd more robust datasources with more historical data. </a:t>
             </a:r>
           </a:p>
+          <a:p>
+            <a:pPr lvl="1" indent="-342900">
+              <a:spcBef>
+                <a:spcPts val="0"/>
+              </a:spcBef>
+              <a:buSzPts val="1800"/>
+              <a:buChar char="●"/>
+            </a:pPr>
+            <a:r>
+              <a:rPr lang="en" dirty="0"/>
+              <a:t>Add machine learning and blockchain fundamentals that we will learn later in this course</a:t>
+            </a:r>
+          </a:p>
+          <a:p>
+            <a:pPr marL="457200" lvl="0" indent="-342900" algn="l" rtl="0">
+              <a:spcBef>
+                <a:spcPts val="0"/>
+              </a:spcBef>
+              <a:spcAft>
+                <a:spcPts val="0"/>
+              </a:spcAft>
+              <a:buSzPts val="1800"/>
+              <a:buChar char="●"/>
+            </a:pPr>
+            <a:r>
+              <a:rPr lang="en" dirty="0"/>
+              <a:t>Open issue to solve: Incorporate density plot of daily return </a:t>
+            </a:r>
+          </a:p>
         </p:txBody>
       </p:sp>
     </p:spTree>
@@ -7424,7 +7644,7 @@
 </p:sld>
 </file>
 
-<file path=ppt/slides/slide8.xml><?xml version="1.0" encoding="utf-8"?>
+<file path=ppt/slides/slide9.xml><?xml version="1.0" encoding="utf-8"?>
 <p:sld xmlns:a="http://schemas.openxmlformats.org/drawingml/2006/main" xmlns:r="http://schemas.openxmlformats.org/officeDocument/2006/relationships" xmlns:p="http://schemas.openxmlformats.org/presentationml/2006/main">
   <p:cSld>
     <p:spTree>
@@ -7540,12 +7760,12 @@
               <a:t>GitHub: </a:t>
             </a:r>
             <a:r>
-              <a:rPr lang="en-US">
+              <a:rPr lang="en-US" dirty="0">
                 <a:hlinkClick r:id="rId3"/>
               </a:rPr>
               <a:t>https://github.com/MarcAgnew055/Project-1</a:t>
             </a:r>
-            <a:endParaRPr lang="en-US"/>
+            <a:endParaRPr lang="en-US" dirty="0"/>
           </a:p>
           <a:p>
             <a:pPr marL="457200" lvl="0" indent="-342900" algn="l" rtl="0">
